--- a/E-COMMERCE-RETAIL-DATA-ANALYSIS_PPT.pptx
+++ b/E-COMMERCE-RETAIL-DATA-ANALYSIS_PPT.pptx
@@ -26,9 +26,8 @@
     <p:sldId id="275" r:id="rId20"/>
     <p:sldId id="277" r:id="rId21"/>
     <p:sldId id="278" r:id="rId22"/>
-    <p:sldId id="279" r:id="rId23"/>
-    <p:sldId id="280" r:id="rId24"/>
-    <p:sldId id="281" r:id="rId25"/>
+    <p:sldId id="280" r:id="rId23"/>
+    <p:sldId id="281" r:id="rId24"/>
   </p:sldIdLst>
   <p:sldSz cx="12192000" cy="6858000"/>
   <p:notesSz cx="6858000" cy="9144000"/>
@@ -275,7 +274,7 @@
             <a:fld id="{B61BEF0D-F0BB-DE4B-95CE-6DB70DBA9567}" type="datetimeFigureOut">
               <a:rPr lang="en-US" smtClean="0"/>
               <a:pPr/>
-              <a:t>4/3/2024</a:t>
+              <a:t>4/4/2024</a:t>
             </a:fld>
             <a:endParaRPr lang="en-US" dirty="0"/>
           </a:p>
@@ -488,7 +487,7 @@
             <a:fld id="{B61BEF0D-F0BB-DE4B-95CE-6DB70DBA9567}" type="datetimeFigureOut">
               <a:rPr lang="en-US" smtClean="0"/>
               <a:pPr/>
-              <a:t>4/3/2024</a:t>
+              <a:t>4/4/2024</a:t>
             </a:fld>
             <a:endParaRPr lang="en-US" dirty="0"/>
           </a:p>
@@ -705,7 +704,7 @@
             <a:fld id="{B61BEF0D-F0BB-DE4B-95CE-6DB70DBA9567}" type="datetimeFigureOut">
               <a:rPr lang="en-US" smtClean="0"/>
               <a:pPr/>
-              <a:t>4/3/2024</a:t>
+              <a:t>4/4/2024</a:t>
             </a:fld>
             <a:endParaRPr lang="en-US" dirty="0"/>
           </a:p>
@@ -1112,7 +1111,7 @@
             <a:fld id="{B61BEF0D-F0BB-DE4B-95CE-6DB70DBA9567}" type="datetimeFigureOut">
               <a:rPr lang="en-US" smtClean="0"/>
               <a:pPr/>
-              <a:t>4/3/2024</a:t>
+              <a:t>4/4/2024</a:t>
             </a:fld>
             <a:endParaRPr lang="en-US" dirty="0"/>
           </a:p>
@@ -1284,7 +1283,7 @@
             <a:fld id="{B61BEF0D-F0BB-DE4B-95CE-6DB70DBA9567}" type="datetimeFigureOut">
               <a:rPr lang="en-US" smtClean="0"/>
               <a:pPr/>
-              <a:t>4/3/2024</a:t>
+              <a:t>4/4/2024</a:t>
             </a:fld>
             <a:endParaRPr lang="en-US" dirty="0"/>
           </a:p>
@@ -1565,7 +1564,7 @@
             <a:fld id="{B61BEF0D-F0BB-DE4B-95CE-6DB70DBA9567}" type="datetimeFigureOut">
               <a:rPr lang="en-US" smtClean="0"/>
               <a:pPr/>
-              <a:t>4/3/2024</a:t>
+              <a:t>4/4/2024</a:t>
             </a:fld>
             <a:endParaRPr lang="en-US" dirty="0"/>
           </a:p>
@@ -1835,7 +1834,7 @@
             <a:fld id="{B61BEF0D-F0BB-DE4B-95CE-6DB70DBA9567}" type="datetimeFigureOut">
               <a:rPr lang="en-US" smtClean="0"/>
               <a:pPr/>
-              <a:t>4/3/2024</a:t>
+              <a:t>4/4/2024</a:t>
             </a:fld>
             <a:endParaRPr lang="en-US" dirty="0"/>
           </a:p>
@@ -2253,7 +2252,7 @@
             <a:fld id="{B61BEF0D-F0BB-DE4B-95CE-6DB70DBA9567}" type="datetimeFigureOut">
               <a:rPr lang="en-US" smtClean="0"/>
               <a:pPr/>
-              <a:t>4/3/2024</a:t>
+              <a:t>4/4/2024</a:t>
             </a:fld>
             <a:endParaRPr lang="en-US" dirty="0"/>
           </a:p>
@@ -2404,7 +2403,7 @@
             <a:fld id="{B61BEF0D-F0BB-DE4B-95CE-6DB70DBA9567}" type="datetimeFigureOut">
               <a:rPr lang="en-US" smtClean="0"/>
               <a:pPr/>
-              <a:t>4/3/2024</a:t>
+              <a:t>4/4/2024</a:t>
             </a:fld>
             <a:endParaRPr lang="en-US" dirty="0"/>
           </a:p>
@@ -2532,7 +2531,7 @@
             <a:fld id="{B61BEF0D-F0BB-DE4B-95CE-6DB70DBA9567}" type="datetimeFigureOut">
               <a:rPr lang="en-US" smtClean="0"/>
               <a:pPr/>
-              <a:t>4/3/2024</a:t>
+              <a:t>4/4/2024</a:t>
             </a:fld>
             <a:endParaRPr lang="en-US" dirty="0"/>
           </a:p>
@@ -2785,7 +2784,7 @@
             <a:fld id="{B61BEF0D-F0BB-DE4B-95CE-6DB70DBA9567}" type="datetimeFigureOut">
               <a:rPr lang="en-US" smtClean="0"/>
               <a:pPr/>
-              <a:t>4/3/2024</a:t>
+              <a:t>4/4/2024</a:t>
             </a:fld>
             <a:endParaRPr lang="en-US" dirty="0"/>
           </a:p>
@@ -3232,7 +3231,7 @@
             <a:fld id="{B61BEF0D-F0BB-DE4B-95CE-6DB70DBA9567}" type="datetimeFigureOut">
               <a:rPr lang="en-US" smtClean="0"/>
               <a:pPr/>
-              <a:t>4/3/2024</a:t>
+              <a:t>4/4/2024</a:t>
             </a:fld>
             <a:endParaRPr lang="en-US" dirty="0"/>
           </a:p>
@@ -3561,7 +3560,7 @@
             <a:fld id="{B61BEF0D-F0BB-DE4B-95CE-6DB70DBA9567}" type="datetimeFigureOut">
               <a:rPr lang="en-US" smtClean="0"/>
               <a:pPr/>
-              <a:t>4/3/2024</a:t>
+              <a:t>4/4/2024</a:t>
             </a:fld>
             <a:endParaRPr lang="en-US" dirty="0"/>
           </a:p>
@@ -5821,7 +5820,7 @@
                 </a:solidFill>
                 <a:latin typeface="Consolas" panose="020B0609020204030204" pitchFamily="49" charset="0"/>
               </a:rPr>
-              <a:t> </a:t>
+              <a:t>   </a:t>
             </a:r>
             <a:r>
               <a:rPr lang="en-US" sz="1800" b="1" dirty="0">
@@ -6567,6 +6566,7 @@
           </a:bodyPr>
           <a:lstStyle/>
           <a:p>
+            <a:pPr algn="l"/>
             <a:r>
               <a:rPr lang="en-US" sz="1800" b="1" dirty="0">
                 <a:solidFill>
@@ -7567,15 +7567,6 @@
             <a:r>
               <a:rPr lang="en-US" b="1" dirty="0">
                 <a:solidFill>
-                  <a:srgbClr val="000000"/>
-                </a:solidFill>
-                <a:latin typeface="Consolas" panose="020B0609020204030204" pitchFamily="49" charset="0"/>
-              </a:rPr>
-              <a:t> </a:t>
-            </a:r>
-            <a:r>
-              <a:rPr lang="en-US" b="1" dirty="0">
-                <a:solidFill>
                   <a:srgbClr val="0000FF"/>
                 </a:solidFill>
                 <a:latin typeface="Consolas" panose="020B0609020204030204" pitchFamily="49" charset="0"/>
@@ -7742,7 +7733,7 @@
                 </a:solidFill>
                 <a:latin typeface="Consolas" panose="020B0609020204030204" pitchFamily="49" charset="0"/>
               </a:rPr>
-              <a:t> </a:t>
+              <a:t>   </a:t>
             </a:r>
             <a:r>
               <a:rPr lang="en-US" b="1" dirty="0">
@@ -7767,15 +7758,6 @@
             <a:r>
               <a:rPr lang="en-US" b="1" dirty="0">
                 <a:solidFill>
-                  <a:srgbClr val="000000"/>
-                </a:solidFill>
-                <a:latin typeface="Consolas" panose="020B0609020204030204" pitchFamily="49" charset="0"/>
-              </a:rPr>
-              <a:t>  </a:t>
-            </a:r>
-            <a:r>
-              <a:rPr lang="en-US" b="1" dirty="0">
-                <a:solidFill>
                   <a:srgbClr val="808080"/>
                 </a:solidFill>
                 <a:latin typeface="Consolas" panose="020B0609020204030204" pitchFamily="49" charset="0"/>
@@ -7847,15 +7829,6 @@
             </a:r>
           </a:p>
           <a:p>
-            <a:r>
-              <a:rPr lang="en-IN" b="1" dirty="0">
-                <a:solidFill>
-                  <a:srgbClr val="000000"/>
-                </a:solidFill>
-                <a:latin typeface="Consolas" panose="020B0609020204030204" pitchFamily="49" charset="0"/>
-              </a:rPr>
-              <a:t>  </a:t>
-            </a:r>
             <a:r>
               <a:rPr lang="en-IN" b="1" dirty="0">
                 <a:solidFill>
@@ -8038,15 +8011,6 @@
             <a:r>
               <a:rPr lang="en-US" b="1" dirty="0">
                 <a:solidFill>
-                  <a:srgbClr val="000000"/>
-                </a:solidFill>
-                <a:latin typeface="Consolas" panose="020B0609020204030204" pitchFamily="49" charset="0"/>
-              </a:rPr>
-              <a:t>  </a:t>
-            </a:r>
-            <a:r>
-              <a:rPr lang="en-US" b="1" dirty="0">
-                <a:solidFill>
                   <a:srgbClr val="0000FF"/>
                 </a:solidFill>
                 <a:latin typeface="Consolas" panose="020B0609020204030204" pitchFamily="49" charset="0"/>
@@ -8109,15 +8073,6 @@
             </a:r>
           </a:p>
           <a:p>
-            <a:r>
-              <a:rPr lang="en-IN" b="1" dirty="0">
-                <a:solidFill>
-                  <a:srgbClr val="000000"/>
-                </a:solidFill>
-                <a:latin typeface="Consolas" panose="020B0609020204030204" pitchFamily="49" charset="0"/>
-              </a:rPr>
-              <a:t>  </a:t>
-            </a:r>
             <a:r>
               <a:rPr lang="en-IN" b="1" dirty="0">
                 <a:solidFill>
@@ -8171,15 +8126,6 @@
             </a:endParaRPr>
           </a:p>
           <a:p>
-            <a:r>
-              <a:rPr lang="en-US" b="1" dirty="0">
-                <a:solidFill>
-                  <a:srgbClr val="000000"/>
-                </a:solidFill>
-                <a:latin typeface="Consolas" panose="020B0609020204030204" pitchFamily="49" charset="0"/>
-              </a:rPr>
-              <a:t>  </a:t>
-            </a:r>
             <a:r>
               <a:rPr lang="en-US" b="1" dirty="0">
                 <a:solidFill>
@@ -8295,8 +8241,8 @@
         </p:nvSpPr>
         <p:spPr>
           <a:xfrm>
-            <a:off x="992267" y="107576"/>
-            <a:ext cx="9550399" cy="3778622"/>
+            <a:off x="1869141" y="107576"/>
+            <a:ext cx="8673525" cy="3778622"/>
           </a:xfrm>
         </p:spPr>
         <p:txBody>
@@ -8305,6 +8251,7 @@
           </a:bodyPr>
           <a:lstStyle/>
           <a:p>
+            <a:pPr algn="l"/>
             <a:r>
               <a:rPr lang="en-IN" sz="2000" b="1" dirty="0">
                 <a:solidFill>
@@ -9844,7 +9791,7 @@
                 </a:solidFill>
                 <a:latin typeface="Consolas" panose="020B0609020204030204" pitchFamily="49" charset="0"/>
               </a:rPr>
-              <a:t>with</a:t>
+              <a:t>  with</a:t>
             </a:r>
             <a:r>
               <a:rPr lang="en-IN" sz="2100" b="1" dirty="0">
@@ -10991,15 +10938,6 @@
             <a:r>
               <a:rPr lang="en-US" sz="1800" b="1" dirty="0">
                 <a:solidFill>
-                  <a:srgbClr val="000000"/>
-                </a:solidFill>
-                <a:latin typeface="Consolas" panose="020B0609020204030204" pitchFamily="49" charset="0"/>
-              </a:rPr>
-              <a:t>  </a:t>
-            </a:r>
-            <a:r>
-              <a:rPr lang="en-US" sz="1800" b="1" dirty="0">
-                <a:solidFill>
                   <a:srgbClr val="0000FF"/>
                 </a:solidFill>
                 <a:latin typeface="Consolas" panose="020B0609020204030204" pitchFamily="49" charset="0"/>
@@ -11056,15 +10994,6 @@
             <a:r>
               <a:rPr lang="en-US" sz="1800" b="1" dirty="0">
                 <a:solidFill>
-                  <a:srgbClr val="000000"/>
-                </a:solidFill>
-                <a:latin typeface="Consolas" panose="020B0609020204030204" pitchFamily="49" charset="0"/>
-              </a:rPr>
-              <a:t>  </a:t>
-            </a:r>
-            <a:r>
-              <a:rPr lang="en-US" sz="1800" b="1" dirty="0">
-                <a:solidFill>
                   <a:srgbClr val="808080"/>
                 </a:solidFill>
                 <a:latin typeface="Consolas" panose="020B0609020204030204" pitchFamily="49" charset="0"/>
@@ -11136,15 +11065,6 @@
             </a:r>
           </a:p>
           <a:p>
-            <a:r>
-              <a:rPr lang="en-IN" sz="1800" b="1" dirty="0">
-                <a:solidFill>
-                  <a:srgbClr val="000000"/>
-                </a:solidFill>
-                <a:latin typeface="Consolas" panose="020B0609020204030204" pitchFamily="49" charset="0"/>
-              </a:rPr>
-              <a:t>  </a:t>
-            </a:r>
             <a:r>
               <a:rPr lang="en-IN" sz="1800" b="1" dirty="0">
                 <a:solidFill>
@@ -11363,15 +11283,6 @@
             <a:r>
               <a:rPr lang="en-US" sz="1800" b="1" dirty="0">
                 <a:solidFill>
-                  <a:srgbClr val="000000"/>
-                </a:solidFill>
-                <a:latin typeface="Consolas" panose="020B0609020204030204" pitchFamily="49" charset="0"/>
-              </a:rPr>
-              <a:t>  </a:t>
-            </a:r>
-            <a:r>
-              <a:rPr lang="en-US" sz="1800" b="1" dirty="0">
-                <a:solidFill>
                   <a:srgbClr val="0000FF"/>
                 </a:solidFill>
                 <a:latin typeface="Consolas" panose="020B0609020204030204" pitchFamily="49" charset="0"/>
@@ -11524,15 +11435,6 @@
             </a:r>
           </a:p>
           <a:p>
-            <a:r>
-              <a:rPr lang="en-IN" sz="1800" b="1" dirty="0">
-                <a:solidFill>
-                  <a:srgbClr val="000000"/>
-                </a:solidFill>
-                <a:latin typeface="Consolas" panose="020B0609020204030204" pitchFamily="49" charset="0"/>
-              </a:rPr>
-              <a:t>  </a:t>
-            </a:r>
             <a:r>
               <a:rPr lang="en-IN" sz="1800" b="1" dirty="0">
                 <a:solidFill>
@@ -11920,7 +11822,7 @@
                 </a:solidFill>
                 <a:latin typeface="Consolas" panose="020B0609020204030204" pitchFamily="49" charset="0"/>
               </a:rPr>
-              <a:t>  </a:t>
+              <a:t> </a:t>
             </a:r>
             <a:r>
               <a:rPr lang="en-US" sz="1800" b="1" dirty="0">
@@ -12027,7 +11929,7 @@
                 </a:solidFill>
                 <a:latin typeface="Consolas" panose="020B0609020204030204" pitchFamily="49" charset="0"/>
               </a:rPr>
-              <a:t>  </a:t>
+              <a:t> </a:t>
             </a:r>
             <a:r>
               <a:rPr lang="en-IN" sz="1800" b="1" dirty="0">
@@ -12083,7 +11985,7 @@
                 </a:solidFill>
                 <a:latin typeface="Consolas" panose="020B0609020204030204" pitchFamily="49" charset="0"/>
               </a:rPr>
-              <a:t>  </a:t>
+              <a:t> </a:t>
             </a:r>
             <a:r>
               <a:rPr lang="en-IN" sz="1800" b="1" dirty="0">
@@ -12145,7 +12047,7 @@
                 </a:solidFill>
                 <a:latin typeface="Consolas" panose="020B0609020204030204" pitchFamily="49" charset="0"/>
               </a:rPr>
-              <a:t>  </a:t>
+              <a:t> </a:t>
             </a:r>
             <a:r>
               <a:rPr lang="en-US" sz="1800" b="1" dirty="0">
@@ -12381,7 +12283,7 @@
           <a:bodyPr/>
           <a:lstStyle/>
           <a:p>
-            <a:endParaRPr lang="en-IN" sz="1800" dirty="0">
+            <a:endParaRPr lang="en-IN" dirty="0">
               <a:solidFill>
                 <a:srgbClr val="000000"/>
               </a:solidFill>
@@ -12392,15 +12294,6 @@
             <a:r>
               <a:rPr lang="en-US" b="1" dirty="0">
                 <a:solidFill>
-                  <a:srgbClr val="000000"/>
-                </a:solidFill>
-                <a:latin typeface="Consolas" panose="020B0609020204030204" pitchFamily="49" charset="0"/>
-              </a:rPr>
-              <a:t>  </a:t>
-            </a:r>
-            <a:r>
-              <a:rPr lang="en-US" b="1" dirty="0">
-                <a:solidFill>
                   <a:srgbClr val="0000FF"/>
                 </a:solidFill>
                 <a:latin typeface="Consolas" panose="020B0609020204030204" pitchFamily="49" charset="0"/>
@@ -12542,6 +12435,8 @@
               </a:rPr>
               <a:t> Averages </a:t>
             </a:r>
+          </a:p>
+          <a:p>
             <a:r>
               <a:rPr lang="en-US" b="1" dirty="0">
                 <a:solidFill>
@@ -12601,15 +12496,6 @@
             <a:r>
               <a:rPr lang="en-US" b="1" dirty="0">
                 <a:solidFill>
-                  <a:srgbClr val="000000"/>
-                </a:solidFill>
-                <a:latin typeface="Consolas" panose="020B0609020204030204" pitchFamily="49" charset="0"/>
-              </a:rPr>
-              <a:t>  </a:t>
-            </a:r>
-            <a:r>
-              <a:rPr lang="en-US" b="1" dirty="0">
-                <a:solidFill>
                   <a:srgbClr val="808080"/>
                 </a:solidFill>
                 <a:latin typeface="Consolas" panose="020B0609020204030204" pitchFamily="49" charset="0"/>
@@ -12681,15 +12567,6 @@
             </a:r>
           </a:p>
           <a:p>
-            <a:r>
-              <a:rPr lang="en-IN" b="1" dirty="0">
-                <a:solidFill>
-                  <a:srgbClr val="000000"/>
-                </a:solidFill>
-                <a:latin typeface="Consolas" panose="020B0609020204030204" pitchFamily="49" charset="0"/>
-              </a:rPr>
-              <a:t>  </a:t>
-            </a:r>
             <a:r>
               <a:rPr lang="en-IN" b="1" dirty="0">
                 <a:solidFill>
@@ -12908,15 +12785,6 @@
             <a:r>
               <a:rPr lang="en-IN" b="1" dirty="0">
                 <a:solidFill>
-                  <a:srgbClr val="000000"/>
-                </a:solidFill>
-                <a:latin typeface="Consolas" panose="020B0609020204030204" pitchFamily="49" charset="0"/>
-              </a:rPr>
-              <a:t>  </a:t>
-            </a:r>
-            <a:r>
-              <a:rPr lang="en-IN" b="1" dirty="0">
-                <a:solidFill>
                   <a:srgbClr val="0000FF"/>
                 </a:solidFill>
                 <a:latin typeface="Consolas" panose="020B0609020204030204" pitchFamily="49" charset="0"/>
@@ -12967,15 +12835,6 @@
             </a:endParaRPr>
           </a:p>
           <a:p>
-            <a:r>
-              <a:rPr lang="en-US" b="1" dirty="0">
-                <a:solidFill>
-                  <a:srgbClr val="000000"/>
-                </a:solidFill>
-                <a:latin typeface="Consolas" panose="020B0609020204030204" pitchFamily="49" charset="0"/>
-              </a:rPr>
-              <a:t>  </a:t>
-            </a:r>
             <a:r>
               <a:rPr lang="en-US" b="1" dirty="0">
                 <a:solidFill>
@@ -14009,20 +13868,29 @@
             <a:r>
               <a:rPr lang="en-IN" sz="1800" b="1" dirty="0">
                 <a:solidFill>
-                  <a:srgbClr val="000000"/>
-                </a:solidFill>
-                <a:latin typeface="Consolas" panose="020B0609020204030204" pitchFamily="49" charset="0"/>
-              </a:rPr>
-              <a:t>   </a:t>
+                  <a:srgbClr val="0000FF"/>
+                </a:solidFill>
+                <a:latin typeface="Consolas" panose="020B0609020204030204" pitchFamily="49" charset="0"/>
+              </a:rPr>
+              <a:t>from</a:t>
             </a:r>
             <a:r>
               <a:rPr lang="en-IN" sz="1800" b="1" dirty="0">
                 <a:solidFill>
-                  <a:srgbClr val="0000FF"/>
-                </a:solidFill>
-                <a:latin typeface="Consolas" panose="020B0609020204030204" pitchFamily="49" charset="0"/>
-              </a:rPr>
-              <a:t>from</a:t>
+                  <a:srgbClr val="000000"/>
+                </a:solidFill>
+                <a:latin typeface="Consolas" panose="020B0609020204030204" pitchFamily="49" charset="0"/>
+              </a:rPr>
+              <a:t> </a:t>
+            </a:r>
+            <a:r>
+              <a:rPr lang="en-IN" sz="1800" b="1" dirty="0" err="1">
+                <a:solidFill>
+                  <a:srgbClr val="000000"/>
+                </a:solidFill>
+                <a:latin typeface="Consolas" panose="020B0609020204030204" pitchFamily="49" charset="0"/>
+              </a:rPr>
+              <a:t>Transactions_new</a:t>
             </a:r>
             <a:r>
               <a:rPr lang="en-IN" sz="1800" b="1" dirty="0">
@@ -14031,24 +13899,6 @@
                 </a:solidFill>
                 <a:latin typeface="Consolas" panose="020B0609020204030204" pitchFamily="49" charset="0"/>
               </a:rPr>
-              <a:t> </a:t>
-            </a:r>
-            <a:r>
-              <a:rPr lang="en-IN" sz="1800" b="1" dirty="0" err="1">
-                <a:solidFill>
-                  <a:srgbClr val="000000"/>
-                </a:solidFill>
-                <a:latin typeface="Consolas" panose="020B0609020204030204" pitchFamily="49" charset="0"/>
-              </a:rPr>
-              <a:t>Transactions_new</a:t>
-            </a:r>
-            <a:r>
-              <a:rPr lang="en-IN" sz="1800" b="1" dirty="0">
-                <a:solidFill>
-                  <a:srgbClr val="000000"/>
-                </a:solidFill>
-                <a:latin typeface="Consolas" panose="020B0609020204030204" pitchFamily="49" charset="0"/>
-              </a:rPr>
               <a:t> T</a:t>
             </a:r>
           </a:p>
@@ -14056,15 +13906,6 @@
             <a:r>
               <a:rPr lang="en-US" sz="1800" b="1" dirty="0">
                 <a:solidFill>
-                  <a:srgbClr val="000000"/>
-                </a:solidFill>
-                <a:latin typeface="Consolas" panose="020B0609020204030204" pitchFamily="49" charset="0"/>
-              </a:rPr>
-              <a:t>   </a:t>
-            </a:r>
-            <a:r>
-              <a:rPr lang="en-US" sz="1800" b="1" dirty="0">
-                <a:solidFill>
                   <a:srgbClr val="808080"/>
                 </a:solidFill>
                 <a:latin typeface="Consolas" panose="020B0609020204030204" pitchFamily="49" charset="0"/>
@@ -14118,15 +13959,6 @@
             </a:r>
           </a:p>
           <a:p>
-            <a:r>
-              <a:rPr lang="en-IN" sz="1800" b="1" dirty="0">
-                <a:solidFill>
-                  <a:srgbClr val="000000"/>
-                </a:solidFill>
-                <a:latin typeface="Consolas" panose="020B0609020204030204" pitchFamily="49" charset="0"/>
-              </a:rPr>
-              <a:t>   </a:t>
-            </a:r>
             <a:r>
               <a:rPr lang="en-IN" sz="1800" b="1" dirty="0">
                 <a:solidFill>
@@ -14336,20 +14168,29 @@
             <a:r>
               <a:rPr lang="en-IN" sz="1800" b="1" dirty="0">
                 <a:solidFill>
-                  <a:srgbClr val="000000"/>
-                </a:solidFill>
-                <a:latin typeface="Consolas" panose="020B0609020204030204" pitchFamily="49" charset="0"/>
-              </a:rPr>
-              <a:t>   </a:t>
+                  <a:srgbClr val="0000FF"/>
+                </a:solidFill>
+                <a:latin typeface="Consolas" panose="020B0609020204030204" pitchFamily="49" charset="0"/>
+              </a:rPr>
+              <a:t>where</a:t>
             </a:r>
             <a:r>
               <a:rPr lang="en-IN" sz="1800" b="1" dirty="0">
                 <a:solidFill>
-                  <a:srgbClr val="0000FF"/>
-                </a:solidFill>
-                <a:latin typeface="Consolas" panose="020B0609020204030204" pitchFamily="49" charset="0"/>
-              </a:rPr>
-              <a:t>where</a:t>
+                  <a:srgbClr val="000000"/>
+                </a:solidFill>
+                <a:latin typeface="Consolas" panose="020B0609020204030204" pitchFamily="49" charset="0"/>
+              </a:rPr>
+              <a:t> </a:t>
+            </a:r>
+            <a:r>
+              <a:rPr lang="en-IN" sz="1800" b="1" dirty="0" err="1">
+                <a:solidFill>
+                  <a:srgbClr val="000000"/>
+                </a:solidFill>
+                <a:latin typeface="Consolas" panose="020B0609020204030204" pitchFamily="49" charset="0"/>
+              </a:rPr>
+              <a:t>total_amt</a:t>
             </a:r>
             <a:r>
               <a:rPr lang="en-IN" sz="1800" b="1" dirty="0">
@@ -14361,35 +14202,17 @@
               <a:t> </a:t>
             </a:r>
             <a:r>
-              <a:rPr lang="en-IN" sz="1800" b="1" dirty="0" err="1">
-                <a:solidFill>
-                  <a:srgbClr val="000000"/>
-                </a:solidFill>
-                <a:latin typeface="Consolas" panose="020B0609020204030204" pitchFamily="49" charset="0"/>
-              </a:rPr>
-              <a:t>total_amt</a:t>
-            </a:r>
-            <a:r>
               <a:rPr lang="en-IN" sz="1800" b="1" dirty="0">
                 <a:solidFill>
-                  <a:srgbClr val="000000"/>
-                </a:solidFill>
-                <a:latin typeface="Consolas" panose="020B0609020204030204" pitchFamily="49" charset="0"/>
-              </a:rPr>
-              <a:t> </a:t>
+                  <a:srgbClr val="808080"/>
+                </a:solidFill>
+                <a:latin typeface="Consolas" panose="020B0609020204030204" pitchFamily="49" charset="0"/>
+              </a:rPr>
+              <a:t>&gt;</a:t>
             </a:r>
             <a:r>
               <a:rPr lang="en-IN" sz="1800" b="1" dirty="0">
                 <a:solidFill>
-                  <a:srgbClr val="808080"/>
-                </a:solidFill>
-                <a:latin typeface="Consolas" panose="020B0609020204030204" pitchFamily="49" charset="0"/>
-              </a:rPr>
-              <a:t>&gt;</a:t>
-            </a:r>
-            <a:r>
-              <a:rPr lang="en-IN" sz="1800" b="1" dirty="0">
-                <a:solidFill>
                   <a:srgbClr val="000000"/>
                 </a:solidFill>
                 <a:latin typeface="Consolas" panose="020B0609020204030204" pitchFamily="49" charset="0"/>
@@ -14398,15 +14221,6 @@
             </a:r>
           </a:p>
           <a:p>
-            <a:r>
-              <a:rPr lang="en-IN" sz="1800" b="1" dirty="0">
-                <a:solidFill>
-                  <a:srgbClr val="000000"/>
-                </a:solidFill>
-                <a:latin typeface="Consolas" panose="020B0609020204030204" pitchFamily="49" charset="0"/>
-              </a:rPr>
-              <a:t>   </a:t>
-            </a:r>
             <a:r>
               <a:rPr lang="en-IN" sz="1800" b="1" dirty="0">
                 <a:solidFill>
@@ -14463,15 +14277,6 @@
             <a:r>
               <a:rPr lang="en-US" sz="1800" b="1" dirty="0">
                 <a:solidFill>
-                  <a:srgbClr val="000000"/>
-                </a:solidFill>
-                <a:latin typeface="Consolas" panose="020B0609020204030204" pitchFamily="49" charset="0"/>
-              </a:rPr>
-              <a:t>   </a:t>
-            </a:r>
-            <a:r>
-              <a:rPr lang="en-US" sz="1800" b="1" dirty="0">
-                <a:solidFill>
                   <a:srgbClr val="0000FF"/>
                 </a:solidFill>
                 <a:latin typeface="Consolas" panose="020B0609020204030204" pitchFamily="49" charset="0"/>
@@ -14544,6 +14349,36 @@
           </a:p>
         </p:txBody>
       </p:sp>
+      <p:pic>
+        <p:nvPicPr>
+          <p:cNvPr id="6" name="Picture 5">
+            <a:extLst>
+              <a:ext uri="{FF2B5EF4-FFF2-40B4-BE49-F238E27FC236}">
+                <a16:creationId xmlns:a16="http://schemas.microsoft.com/office/drawing/2014/main" id="{535636F9-A6F9-405C-852D-529C050A5A03}"/>
+              </a:ext>
+            </a:extLst>
+          </p:cNvPr>
+          <p:cNvPicPr>
+            <a:picLocks noChangeAspect="1"/>
+          </p:cNvPicPr>
+          <p:nvPr/>
+        </p:nvPicPr>
+        <p:blipFill>
+          <a:blip r:embed="rId2"/>
+          <a:stretch>
+            <a:fillRect/>
+          </a:stretch>
+        </p:blipFill>
+        <p:spPr>
+          <a:xfrm>
+            <a:off x="6096000" y="4625788"/>
+            <a:ext cx="3397624" cy="1425387"/>
+          </a:xfrm>
+          <a:prstGeom prst="rect">
+            <a:avLst/>
+          </a:prstGeom>
+        </p:spPr>
+      </p:pic>
     </p:spTree>
     <p:extLst>
       <p:ext uri="{BB962C8B-B14F-4D97-AF65-F5344CB8AC3E}">
@@ -14593,7 +14428,7 @@
         <p:spPr>
           <a:xfrm>
             <a:off x="1990165" y="0"/>
-            <a:ext cx="6777317" cy="6024282"/>
+            <a:ext cx="6777317" cy="4504765"/>
           </a:xfrm>
         </p:spPr>
         <p:txBody>
@@ -14602,6 +14437,7 @@
           </a:bodyPr>
           <a:lstStyle/>
           <a:p>
+            <a:pPr algn="l"/>
             <a:r>
               <a:rPr lang="en-US" sz="1800" b="1" dirty="0">
                 <a:solidFill>
@@ -14668,11 +14504,137 @@
             <a:br>
               <a:rPr lang="en-US" sz="1800" b="1" dirty="0">
                 <a:solidFill>
-                  <a:srgbClr val="808080"/>
+                  <a:srgbClr val="000000"/>
                 </a:solidFill>
                 <a:latin typeface="Consolas" panose="020B0609020204030204" pitchFamily="49" charset="0"/>
               </a:rPr>
             </a:br>
+            <a:r>
+              <a:rPr lang="en-US" sz="1800" b="1" dirty="0">
+                <a:solidFill>
+                  <a:srgbClr val="FF00FF"/>
+                </a:solidFill>
+                <a:latin typeface="Consolas" panose="020B0609020204030204" pitchFamily="49" charset="0"/>
+              </a:rPr>
+              <a:t>round</a:t>
+            </a:r>
+            <a:r>
+              <a:rPr lang="en-US" sz="1800" b="1" dirty="0">
+                <a:solidFill>
+                  <a:srgbClr val="808080"/>
+                </a:solidFill>
+                <a:latin typeface="Consolas" panose="020B0609020204030204" pitchFamily="49" charset="0"/>
+              </a:rPr>
+              <a:t>(</a:t>
+            </a:r>
+            <a:r>
+              <a:rPr lang="en-US" sz="1800" b="1" dirty="0">
+                <a:solidFill>
+                  <a:srgbClr val="FF00FF"/>
+                </a:solidFill>
+                <a:latin typeface="Consolas" panose="020B0609020204030204" pitchFamily="49" charset="0"/>
+              </a:rPr>
+              <a:t>sum</a:t>
+            </a:r>
+            <a:r>
+              <a:rPr lang="en-US" sz="1800" b="1" dirty="0">
+                <a:solidFill>
+                  <a:srgbClr val="808080"/>
+                </a:solidFill>
+                <a:latin typeface="Consolas" panose="020B0609020204030204" pitchFamily="49" charset="0"/>
+              </a:rPr>
+              <a:t>(</a:t>
+            </a:r>
+            <a:r>
+              <a:rPr lang="en-US" sz="1800" b="1" dirty="0" err="1">
+                <a:solidFill>
+                  <a:srgbClr val="000000"/>
+                </a:solidFill>
+                <a:latin typeface="Consolas" panose="020B0609020204030204" pitchFamily="49" charset="0"/>
+              </a:rPr>
+              <a:t>total_amt</a:t>
+            </a:r>
+            <a:r>
+              <a:rPr lang="en-US" sz="1800" b="1" dirty="0">
+                <a:solidFill>
+                  <a:srgbClr val="808080"/>
+                </a:solidFill>
+                <a:latin typeface="Consolas" panose="020B0609020204030204" pitchFamily="49" charset="0"/>
+              </a:rPr>
+              <a:t>),</a:t>
+            </a:r>
+            <a:r>
+              <a:rPr lang="en-US" sz="1800" b="1" dirty="0">
+                <a:solidFill>
+                  <a:srgbClr val="000000"/>
+                </a:solidFill>
+                <a:latin typeface="Consolas" panose="020B0609020204030204" pitchFamily="49" charset="0"/>
+              </a:rPr>
+              <a:t> 3</a:t>
+            </a:r>
+            <a:r>
+              <a:rPr lang="en-US" sz="1800" b="1" dirty="0">
+                <a:solidFill>
+                  <a:srgbClr val="808080"/>
+                </a:solidFill>
+                <a:latin typeface="Consolas" panose="020B0609020204030204" pitchFamily="49" charset="0"/>
+              </a:rPr>
+              <a:t>)</a:t>
+            </a:r>
+            <a:r>
+              <a:rPr lang="en-US" sz="1800" b="1" dirty="0">
+                <a:solidFill>
+                  <a:srgbClr val="000000"/>
+                </a:solidFill>
+                <a:latin typeface="Consolas" panose="020B0609020204030204" pitchFamily="49" charset="0"/>
+              </a:rPr>
+              <a:t> </a:t>
+            </a:r>
+            <a:r>
+              <a:rPr lang="en-US" sz="1800" b="1" dirty="0">
+                <a:solidFill>
+                  <a:srgbClr val="0000FF"/>
+                </a:solidFill>
+                <a:latin typeface="Consolas" panose="020B0609020204030204" pitchFamily="49" charset="0"/>
+              </a:rPr>
+              <a:t>as</a:t>
+            </a:r>
+            <a:r>
+              <a:rPr lang="en-US" sz="1800" b="1" dirty="0">
+                <a:solidFill>
+                  <a:srgbClr val="000000"/>
+                </a:solidFill>
+                <a:latin typeface="Consolas" panose="020B0609020204030204" pitchFamily="49" charset="0"/>
+              </a:rPr>
+              <a:t> </a:t>
+            </a:r>
+            <a:r>
+              <a:rPr lang="en-US" sz="1800" b="1" dirty="0" err="1">
+                <a:solidFill>
+                  <a:srgbClr val="000000"/>
+                </a:solidFill>
+                <a:latin typeface="Consolas" panose="020B0609020204030204" pitchFamily="49" charset="0"/>
+              </a:rPr>
+              <a:t>Total_amount</a:t>
+            </a:r>
+            <a:r>
+              <a:rPr lang="en-US" sz="1800" b="1" dirty="0">
+                <a:solidFill>
+                  <a:srgbClr val="808080"/>
+                </a:solidFill>
+                <a:latin typeface="Consolas" panose="020B0609020204030204" pitchFamily="49" charset="0"/>
+              </a:rPr>
+              <a:t>,</a:t>
+            </a:r>
+            <a:r>
+              <a:rPr lang="en-US" sz="1800" b="1" dirty="0">
+                <a:solidFill>
+                  <a:srgbClr val="000000"/>
+                </a:solidFill>
+                <a:latin typeface="Consolas" panose="020B0609020204030204" pitchFamily="49" charset="0"/>
+              </a:rPr>
+              <a:t> </a:t>
+            </a:r>
             <a:br>
               <a:rPr lang="en-US" sz="1800" b="1" dirty="0">
                 <a:solidFill>
@@ -14706,7 +14668,7 @@
                 </a:solidFill>
                 <a:latin typeface="Consolas" panose="020B0609020204030204" pitchFamily="49" charset="0"/>
               </a:rPr>
-              <a:t>sum</a:t>
+              <a:t>avg</a:t>
             </a:r>
             <a:r>
               <a:rPr lang="en-US" sz="1800" b="1" dirty="0">
@@ -14787,25 +14749,7 @@
                 </a:solidFill>
                 <a:latin typeface="Consolas" panose="020B0609020204030204" pitchFamily="49" charset="0"/>
               </a:rPr>
-              <a:t>Total_amount</a:t>
-            </a:r>
-            <a:r>
-              <a:rPr lang="en-US" sz="1800" b="1" dirty="0">
-                <a:solidFill>
-                  <a:srgbClr val="808080"/>
-                </a:solidFill>
-                <a:latin typeface="Consolas" panose="020B0609020204030204" pitchFamily="49" charset="0"/>
-              </a:rPr>
-              <a:t>,</a:t>
-            </a:r>
-            <a:r>
-              <a:rPr lang="en-US" sz="1800" b="1" dirty="0">
-                <a:solidFill>
-                  <a:srgbClr val="000000"/>
-                </a:solidFill>
-                <a:latin typeface="Consolas" panose="020B0609020204030204" pitchFamily="49" charset="0"/>
-              </a:rPr>
-              <a:t> </a:t>
+              <a:t>Avg_amount</a:t>
             </a:r>
             <a:br>
               <a:rPr lang="en-US" sz="1800" b="1" dirty="0">
@@ -14818,38 +14762,20 @@
             <a:r>
               <a:rPr lang="en-US" sz="1800" b="1" dirty="0">
                 <a:solidFill>
-                  <a:srgbClr val="FF00FF"/>
-                </a:solidFill>
-                <a:latin typeface="Consolas" panose="020B0609020204030204" pitchFamily="49" charset="0"/>
-              </a:rPr>
-              <a:t>round</a:t>
-            </a:r>
-            <a:r>
-              <a:rPr lang="en-US" sz="1800" b="1" dirty="0">
-                <a:solidFill>
-                  <a:srgbClr val="808080"/>
-                </a:solidFill>
-                <a:latin typeface="Consolas" panose="020B0609020204030204" pitchFamily="49" charset="0"/>
-              </a:rPr>
-              <a:t>(</a:t>
-            </a:r>
-            <a:r>
-              <a:rPr lang="en-US" sz="1800" b="1" dirty="0">
-                <a:solidFill>
-                  <a:srgbClr val="FF00FF"/>
-                </a:solidFill>
-                <a:latin typeface="Consolas" panose="020B0609020204030204" pitchFamily="49" charset="0"/>
-              </a:rPr>
-              <a:t>avg</a:t>
-            </a:r>
-            <a:r>
-              <a:rPr lang="en-US" sz="1800" b="1" dirty="0">
-                <a:solidFill>
-                  <a:srgbClr val="808080"/>
-                </a:solidFill>
-                <a:latin typeface="Consolas" panose="020B0609020204030204" pitchFamily="49" charset="0"/>
-              </a:rPr>
-              <a:t>(</a:t>
+                  <a:srgbClr val="0000FF"/>
+                </a:solidFill>
+                <a:latin typeface="Consolas" panose="020B0609020204030204" pitchFamily="49" charset="0"/>
+              </a:rPr>
+              <a:t>from</a:t>
+            </a:r>
+            <a:r>
+              <a:rPr lang="en-US" sz="1800" b="1" dirty="0">
+                <a:solidFill>
+                  <a:srgbClr val="000000"/>
+                </a:solidFill>
+                <a:latin typeface="Consolas" panose="020B0609020204030204" pitchFamily="49" charset="0"/>
+              </a:rPr>
+              <a:t> </a:t>
             </a:r>
             <a:r>
               <a:rPr lang="en-US" sz="1800" b="1" dirty="0" err="1">
@@ -14858,34 +14784,7 @@
                 </a:solidFill>
                 <a:latin typeface="Consolas" panose="020B0609020204030204" pitchFamily="49" charset="0"/>
               </a:rPr>
-              <a:t>total_amt</a:t>
-            </a:r>
-            <a:r>
-              <a:rPr lang="en-US" sz="1800" b="1" dirty="0">
-                <a:solidFill>
-                  <a:srgbClr val="808080"/>
-                </a:solidFill>
-                <a:latin typeface="Consolas" panose="020B0609020204030204" pitchFamily="49" charset="0"/>
-              </a:rPr>
-              <a:t>),</a:t>
-            </a:r>
-            <a:r>
-              <a:rPr lang="en-US" sz="1800" b="1" dirty="0">
-                <a:solidFill>
-                  <a:srgbClr val="000000"/>
-                </a:solidFill>
-                <a:latin typeface="Consolas" panose="020B0609020204030204" pitchFamily="49" charset="0"/>
-              </a:rPr>
-              <a:t> 3</a:t>
-            </a:r>
-            <a:r>
-              <a:rPr lang="en-US" sz="1800" b="1" dirty="0">
-                <a:solidFill>
-                  <a:srgbClr val="808080"/>
-                </a:solidFill>
-                <a:latin typeface="Consolas" panose="020B0609020204030204" pitchFamily="49" charset="0"/>
-              </a:rPr>
-              <a:t>)</a:t>
+              <a:t>Transactions_new</a:t>
             </a:r>
             <a:r>
               <a:rPr lang="en-US" sz="1800" b="1" dirty="0">
@@ -14912,6 +14811,50 @@
                 </a:solidFill>
                 <a:latin typeface="Consolas" panose="020B0609020204030204" pitchFamily="49" charset="0"/>
               </a:rPr>
+              <a:t> T</a:t>
+            </a:r>
+            <a:br>
+              <a:rPr lang="en-US" sz="1800" b="1" dirty="0">
+                <a:solidFill>
+                  <a:srgbClr val="000000"/>
+                </a:solidFill>
+                <a:latin typeface="Consolas" panose="020B0609020204030204" pitchFamily="49" charset="0"/>
+              </a:rPr>
+            </a:br>
+            <a:r>
+              <a:rPr lang="en-US" sz="1800" b="1" dirty="0">
+                <a:solidFill>
+                  <a:srgbClr val="808080"/>
+                </a:solidFill>
+                <a:latin typeface="Consolas" panose="020B0609020204030204" pitchFamily="49" charset="0"/>
+              </a:rPr>
+              <a:t>inner</a:t>
+            </a:r>
+            <a:r>
+              <a:rPr lang="en-US" sz="1800" b="1" dirty="0">
+                <a:solidFill>
+                  <a:srgbClr val="000000"/>
+                </a:solidFill>
+                <a:latin typeface="Consolas" panose="020B0609020204030204" pitchFamily="49" charset="0"/>
+              </a:rPr>
+              <a:t> </a:t>
+            </a:r>
+            <a:r>
+              <a:rPr lang="en-US" sz="1800" b="1" dirty="0">
+                <a:solidFill>
+                  <a:srgbClr val="808080"/>
+                </a:solidFill>
+                <a:latin typeface="Consolas" panose="020B0609020204030204" pitchFamily="49" charset="0"/>
+              </a:rPr>
+              <a:t>join</a:t>
+            </a:r>
+            <a:r>
+              <a:rPr lang="en-US" sz="1800" b="1" dirty="0">
+                <a:solidFill>
+                  <a:srgbClr val="000000"/>
+                </a:solidFill>
+                <a:latin typeface="Consolas" panose="020B0609020204030204" pitchFamily="49" charset="0"/>
+              </a:rPr>
               <a:t> </a:t>
             </a:r>
             <a:r>
@@ -14921,7 +14864,34 @@
                 </a:solidFill>
                 <a:latin typeface="Consolas" panose="020B0609020204030204" pitchFamily="49" charset="0"/>
               </a:rPr>
-              <a:t>Avg_amount</a:t>
+              <a:t>prod_cat_info</a:t>
+            </a:r>
+            <a:r>
+              <a:rPr lang="en-US" sz="1800" b="1" dirty="0">
+                <a:solidFill>
+                  <a:srgbClr val="000000"/>
+                </a:solidFill>
+                <a:latin typeface="Consolas" panose="020B0609020204030204" pitchFamily="49" charset="0"/>
+              </a:rPr>
+              <a:t> </a:t>
+            </a:r>
+            <a:r>
+              <a:rPr lang="en-US" sz="1800" b="1" dirty="0">
+                <a:solidFill>
+                  <a:srgbClr val="0000FF"/>
+                </a:solidFill>
+                <a:latin typeface="Consolas" panose="020B0609020204030204" pitchFamily="49" charset="0"/>
+              </a:rPr>
+              <a:t>as</a:t>
+            </a:r>
+            <a:r>
+              <a:rPr lang="en-US" sz="1800" b="1" dirty="0">
+                <a:solidFill>
+                  <a:srgbClr val="000000"/>
+                </a:solidFill>
+                <a:latin typeface="Consolas" panose="020B0609020204030204" pitchFamily="49" charset="0"/>
+              </a:rPr>
+              <a:t> P</a:t>
             </a:r>
             <a:br>
               <a:rPr lang="en-US" sz="1800" b="1" dirty="0">
@@ -14931,166 +14901,6 @@
                 <a:latin typeface="Consolas" panose="020B0609020204030204" pitchFamily="49" charset="0"/>
               </a:rPr>
             </a:br>
-            <a:r>
-              <a:rPr lang="en-US" sz="1800" b="1" dirty="0">
-                <a:solidFill>
-                  <a:srgbClr val="0000FF"/>
-                </a:solidFill>
-                <a:latin typeface="Consolas" panose="020B0609020204030204" pitchFamily="49" charset="0"/>
-              </a:rPr>
-              <a:t>from</a:t>
-            </a:r>
-            <a:r>
-              <a:rPr lang="en-US" sz="1800" b="1" dirty="0">
-                <a:solidFill>
-                  <a:srgbClr val="000000"/>
-                </a:solidFill>
-                <a:latin typeface="Consolas" panose="020B0609020204030204" pitchFamily="49" charset="0"/>
-              </a:rPr>
-              <a:t> </a:t>
-            </a:r>
-            <a:r>
-              <a:rPr lang="en-US" sz="1800" b="1" dirty="0" err="1">
-                <a:solidFill>
-                  <a:srgbClr val="000000"/>
-                </a:solidFill>
-                <a:latin typeface="Consolas" panose="020B0609020204030204" pitchFamily="49" charset="0"/>
-              </a:rPr>
-              <a:t>Transactions_new</a:t>
-            </a:r>
-            <a:r>
-              <a:rPr lang="en-US" sz="1800" b="1" dirty="0">
-                <a:solidFill>
-                  <a:srgbClr val="000000"/>
-                </a:solidFill>
-                <a:latin typeface="Consolas" panose="020B0609020204030204" pitchFamily="49" charset="0"/>
-              </a:rPr>
-              <a:t> </a:t>
-            </a:r>
-            <a:r>
-              <a:rPr lang="en-US" sz="1800" b="1" dirty="0">
-                <a:solidFill>
-                  <a:srgbClr val="0000FF"/>
-                </a:solidFill>
-                <a:latin typeface="Consolas" panose="020B0609020204030204" pitchFamily="49" charset="0"/>
-              </a:rPr>
-              <a:t>as</a:t>
-            </a:r>
-            <a:r>
-              <a:rPr lang="en-US" sz="1800" b="1" dirty="0">
-                <a:solidFill>
-                  <a:srgbClr val="000000"/>
-                </a:solidFill>
-                <a:latin typeface="Consolas" panose="020B0609020204030204" pitchFamily="49" charset="0"/>
-              </a:rPr>
-              <a:t> T</a:t>
-            </a:r>
-            <a:br>
-              <a:rPr lang="en-US" sz="1800" b="1" dirty="0">
-                <a:solidFill>
-                  <a:srgbClr val="000000"/>
-                </a:solidFill>
-                <a:latin typeface="Consolas" panose="020B0609020204030204" pitchFamily="49" charset="0"/>
-              </a:rPr>
-            </a:br>
-            <a:r>
-              <a:rPr lang="en-US" sz="1800" b="1" dirty="0">
-                <a:solidFill>
-                  <a:srgbClr val="000000"/>
-                </a:solidFill>
-                <a:latin typeface="Consolas" panose="020B0609020204030204" pitchFamily="49" charset="0"/>
-              </a:rPr>
-              <a:t>  </a:t>
-            </a:r>
-            <a:r>
-              <a:rPr lang="en-US" sz="1800" b="1" dirty="0">
-                <a:solidFill>
-                  <a:srgbClr val="808080"/>
-                </a:solidFill>
-                <a:latin typeface="Consolas" panose="020B0609020204030204" pitchFamily="49" charset="0"/>
-              </a:rPr>
-              <a:t>inner</a:t>
-            </a:r>
-            <a:r>
-              <a:rPr lang="en-US" sz="1800" b="1" dirty="0">
-                <a:solidFill>
-                  <a:srgbClr val="000000"/>
-                </a:solidFill>
-                <a:latin typeface="Consolas" panose="020B0609020204030204" pitchFamily="49" charset="0"/>
-              </a:rPr>
-              <a:t> </a:t>
-            </a:r>
-            <a:r>
-              <a:rPr lang="en-US" sz="1800" b="1" dirty="0">
-                <a:solidFill>
-                  <a:srgbClr val="808080"/>
-                </a:solidFill>
-                <a:latin typeface="Consolas" panose="020B0609020204030204" pitchFamily="49" charset="0"/>
-              </a:rPr>
-              <a:t>join</a:t>
-            </a:r>
-            <a:r>
-              <a:rPr lang="en-US" sz="1800" b="1" dirty="0">
-                <a:solidFill>
-                  <a:srgbClr val="000000"/>
-                </a:solidFill>
-                <a:latin typeface="Consolas" panose="020B0609020204030204" pitchFamily="49" charset="0"/>
-              </a:rPr>
-              <a:t> </a:t>
-            </a:r>
-            <a:r>
-              <a:rPr lang="en-US" sz="1800" b="1" dirty="0" err="1">
-                <a:solidFill>
-                  <a:srgbClr val="000000"/>
-                </a:solidFill>
-                <a:latin typeface="Consolas" panose="020B0609020204030204" pitchFamily="49" charset="0"/>
-              </a:rPr>
-              <a:t>prod_cat_info</a:t>
-            </a:r>
-            <a:r>
-              <a:rPr lang="en-US" sz="1800" b="1" dirty="0">
-                <a:solidFill>
-                  <a:srgbClr val="000000"/>
-                </a:solidFill>
-                <a:latin typeface="Consolas" panose="020B0609020204030204" pitchFamily="49" charset="0"/>
-              </a:rPr>
-              <a:t> </a:t>
-            </a:r>
-            <a:r>
-              <a:rPr lang="en-US" sz="1800" b="1" dirty="0">
-                <a:solidFill>
-                  <a:srgbClr val="0000FF"/>
-                </a:solidFill>
-                <a:latin typeface="Consolas" panose="020B0609020204030204" pitchFamily="49" charset="0"/>
-              </a:rPr>
-              <a:t>as</a:t>
-            </a:r>
-            <a:r>
-              <a:rPr lang="en-US" sz="1800" b="1" dirty="0">
-                <a:solidFill>
-                  <a:srgbClr val="000000"/>
-                </a:solidFill>
-                <a:latin typeface="Consolas" panose="020B0609020204030204" pitchFamily="49" charset="0"/>
-              </a:rPr>
-              <a:t> P</a:t>
-            </a:r>
-            <a:br>
-              <a:rPr lang="en-US" sz="1800" b="1" dirty="0">
-                <a:solidFill>
-                  <a:srgbClr val="000000"/>
-                </a:solidFill>
-                <a:latin typeface="Consolas" panose="020B0609020204030204" pitchFamily="49" charset="0"/>
-              </a:rPr>
-            </a:br>
-            <a:r>
-              <a:rPr lang="en-IN" sz="1800" b="1" dirty="0">
-                <a:solidFill>
-                  <a:srgbClr val="000000"/>
-                </a:solidFill>
-                <a:latin typeface="Consolas" panose="020B0609020204030204" pitchFamily="49" charset="0"/>
-              </a:rPr>
-              <a:t>  </a:t>
-            </a:r>
             <a:r>
               <a:rPr lang="en-IN" sz="1800" b="1" dirty="0">
                 <a:solidFill>
@@ -15226,15 +15036,6 @@
               </a:rPr>
             </a:br>
             <a:r>
-              <a:rPr lang="en-IN" sz="1800" b="1" dirty="0">
-                <a:solidFill>
-                  <a:srgbClr val="000000"/>
-                </a:solidFill>
-                <a:latin typeface="Consolas" panose="020B0609020204030204" pitchFamily="49" charset="0"/>
-              </a:rPr>
-              <a:t> </a:t>
-            </a:r>
-            <a:r>
               <a:rPr lang="en-IN" sz="1800" b="1" dirty="0" err="1">
                 <a:solidFill>
                   <a:srgbClr val="000000"/>
@@ -15326,15 +15127,6 @@
             <a:r>
               <a:rPr lang="en-US" sz="1800" b="1" dirty="0">
                 <a:solidFill>
-                  <a:srgbClr val="000000"/>
-                </a:solidFill>
-                <a:latin typeface="Consolas" panose="020B0609020204030204" pitchFamily="49" charset="0"/>
-              </a:rPr>
-              <a:t>  </a:t>
-            </a:r>
-            <a:r>
-              <a:rPr lang="en-US" sz="1800" b="1" dirty="0">
-                <a:solidFill>
                   <a:srgbClr val="0000FF"/>
                 </a:solidFill>
                 <a:latin typeface="Consolas" panose="020B0609020204030204" pitchFamily="49" charset="0"/>
@@ -15442,15 +15234,6 @@
             <a:r>
               <a:rPr lang="en-US" sz="1800" b="1" dirty="0">
                 <a:solidFill>
-                  <a:srgbClr val="0000FF"/>
-                </a:solidFill>
-                <a:latin typeface="Consolas" panose="020B0609020204030204" pitchFamily="49" charset="0"/>
-              </a:rPr>
-              <a:t>  </a:t>
-            </a:r>
-            <a:r>
-              <a:rPr lang="en-US" sz="1800" b="1" dirty="0">
-                <a:solidFill>
                   <a:srgbClr val="808080"/>
                 </a:solidFill>
                 <a:latin typeface="Consolas" panose="020B0609020204030204" pitchFamily="49" charset="0"/>
@@ -15674,15 +15457,6 @@
             <a:r>
               <a:rPr lang="en-US" sz="1800" b="1" dirty="0">
                 <a:solidFill>
-                  <a:srgbClr val="000000"/>
-                </a:solidFill>
-                <a:latin typeface="Consolas" panose="020B0609020204030204" pitchFamily="49" charset="0"/>
-              </a:rPr>
-              <a:t>  </a:t>
-            </a:r>
-            <a:r>
-              <a:rPr lang="en-US" sz="1800" b="1" dirty="0">
-                <a:solidFill>
                   <a:srgbClr val="0000FF"/>
                 </a:solidFill>
                 <a:latin typeface="Consolas" panose="020B0609020204030204" pitchFamily="49" charset="0"/>
@@ -15826,15 +15600,6 @@
             <a:r>
               <a:rPr lang="en-US" sz="1800" b="1" dirty="0">
                 <a:solidFill>
-                  <a:srgbClr val="000000"/>
-                </a:solidFill>
-                <a:latin typeface="Consolas" panose="020B0609020204030204" pitchFamily="49" charset="0"/>
-              </a:rPr>
-              <a:t>      </a:t>
-            </a:r>
-            <a:r>
-              <a:rPr lang="en-US" sz="1800" b="1" dirty="0">
-                <a:solidFill>
                   <a:srgbClr val="0000FF"/>
                 </a:solidFill>
                 <a:latin typeface="Consolas" panose="020B0609020204030204" pitchFamily="49" charset="0"/>
@@ -15924,15 +15689,6 @@
             <a:r>
               <a:rPr lang="en-US" sz="1800" b="1" dirty="0">
                 <a:solidFill>
-                  <a:srgbClr val="000000"/>
-                </a:solidFill>
-                <a:latin typeface="Consolas" panose="020B0609020204030204" pitchFamily="49" charset="0"/>
-              </a:rPr>
-              <a:t>          </a:t>
-            </a:r>
-            <a:r>
-              <a:rPr lang="en-US" sz="1800" b="1" dirty="0">
-                <a:solidFill>
                   <a:srgbClr val="0000FF"/>
                 </a:solidFill>
                 <a:latin typeface="Consolas" panose="020B0609020204030204" pitchFamily="49" charset="0"/>
@@ -16013,15 +15769,6 @@
             <a:r>
               <a:rPr lang="en-US" sz="1800" b="1" dirty="0">
                 <a:solidFill>
-                  <a:srgbClr val="000000"/>
-                </a:solidFill>
-                <a:latin typeface="Consolas" panose="020B0609020204030204" pitchFamily="49" charset="0"/>
-              </a:rPr>
-              <a:t>     </a:t>
-            </a:r>
-            <a:r>
-              <a:rPr lang="en-US" sz="1800" b="1" dirty="0">
-                <a:solidFill>
                   <a:srgbClr val="0000FF"/>
                 </a:solidFill>
                 <a:latin typeface="Consolas" panose="020B0609020204030204" pitchFamily="49" charset="0"/>
@@ -16117,15 +15864,6 @@
                 <a:latin typeface="Consolas" panose="020B0609020204030204" pitchFamily="49" charset="0"/>
               </a:rPr>
             </a:br>
-            <a:r>
-              <a:rPr lang="en-IN" sz="1800" b="1" dirty="0">
-                <a:solidFill>
-                  <a:srgbClr val="000000"/>
-                </a:solidFill>
-                <a:latin typeface="Consolas" panose="020B0609020204030204" pitchFamily="49" charset="0"/>
-              </a:rPr>
-              <a:t>           </a:t>
-            </a:r>
             <a:r>
               <a:rPr lang="en-IN" sz="1800" b="1" dirty="0">
                 <a:solidFill>
@@ -16155,24 +15893,15 @@
             <a:r>
               <a:rPr lang="en-IN" sz="1800" b="1" dirty="0">
                 <a:solidFill>
-                  <a:srgbClr val="000000"/>
-                </a:solidFill>
-                <a:latin typeface="Consolas" panose="020B0609020204030204" pitchFamily="49" charset="0"/>
-              </a:rPr>
-              <a:t>          </a:t>
+                  <a:srgbClr val="0000FF"/>
+                </a:solidFill>
+                <a:latin typeface="Consolas" panose="020B0609020204030204" pitchFamily="49" charset="0"/>
+              </a:rPr>
+              <a:t>end</a:t>
             </a:r>
             <a:r>
               <a:rPr lang="en-IN" sz="1800" b="1" dirty="0">
                 <a:solidFill>
-                  <a:srgbClr val="0000FF"/>
-                </a:solidFill>
-                <a:latin typeface="Consolas" panose="020B0609020204030204" pitchFamily="49" charset="0"/>
-              </a:rPr>
-              <a:t>end</a:t>
-            </a:r>
-            <a:r>
-              <a:rPr lang="en-IN" sz="1800" b="1" dirty="0">
-                <a:solidFill>
                   <a:srgbClr val="808080"/>
                 </a:solidFill>
                 <a:latin typeface="Consolas" panose="020B0609020204030204" pitchFamily="49" charset="0"/>
@@ -16180,75 +15909,15 @@
               <a:t>;</a:t>
             </a:r>
             <a:endParaRPr lang="en-IN" sz="1800" b="1" dirty="0"/>
-          </a:p>
-        </p:txBody>
-      </p:sp>
-    </p:spTree>
-    <p:extLst>
-      <p:ext uri="{BB962C8B-B14F-4D97-AF65-F5344CB8AC3E}">
-        <p14:creationId xmlns:p14="http://schemas.microsoft.com/office/powerpoint/2010/main" val="2517868250"/>
-      </p:ext>
-    </p:extLst>
-  </p:cSld>
-  <p:clrMapOvr>
-    <a:masterClrMapping/>
-  </p:clrMapOvr>
-</p:sld>
-</file>
-
-<file path=ppt/slides/slide22.xml><?xml version="1.0" encoding="utf-8"?>
-<p:sld xmlns:a="http://schemas.openxmlformats.org/drawingml/2006/main" xmlns:r="http://schemas.openxmlformats.org/officeDocument/2006/relationships" xmlns:p="http://schemas.openxmlformats.org/presentationml/2006/main">
-  <p:cSld>
-    <p:spTree>
-      <p:nvGrpSpPr>
-        <p:cNvPr id="1" name=""/>
-        <p:cNvGrpSpPr/>
-        <p:nvPr/>
-      </p:nvGrpSpPr>
-      <p:grpSpPr>
-        <a:xfrm>
-          <a:off x="0" y="0"/>
-          <a:ext cx="0" cy="0"/>
-          <a:chOff x="0" y="0"/>
-          <a:chExt cx="0" cy="0"/>
-        </a:xfrm>
-      </p:grpSpPr>
-      <p:sp>
-        <p:nvSpPr>
-          <p:cNvPr id="2" name="Title 1">
-            <a:extLst>
-              <a:ext uri="{FF2B5EF4-FFF2-40B4-BE49-F238E27FC236}">
-                <a16:creationId xmlns:a16="http://schemas.microsoft.com/office/drawing/2014/main" id="{E8EBB4A0-87BB-4D64-9969-ECECD59F63FE}"/>
-              </a:ext>
-            </a:extLst>
-          </p:cNvPr>
-          <p:cNvSpPr>
-            <a:spLocks noGrp="1"/>
-          </p:cNvSpPr>
-          <p:nvPr>
-            <p:ph type="title"/>
-          </p:nvPr>
-        </p:nvSpPr>
-        <p:spPr>
-          <a:xfrm>
-            <a:off x="992267" y="174813"/>
-            <a:ext cx="9550399" cy="5701552"/>
-          </a:xfrm>
-        </p:spPr>
-        <p:txBody>
-          <a:bodyPr/>
-          <a:lstStyle/>
-          <a:p>
-            <a:endParaRPr lang="en-IN" dirty="0"/>
           </a:p>
         </p:txBody>
       </p:sp>
       <p:pic>
         <p:nvPicPr>
-          <p:cNvPr id="6" name="Picture 5">
+          <p:cNvPr id="4" name="Picture 3">
             <a:extLst>
               <a:ext uri="{FF2B5EF4-FFF2-40B4-BE49-F238E27FC236}">
-                <a16:creationId xmlns:a16="http://schemas.microsoft.com/office/drawing/2014/main" id="{54D320EE-045D-4EB3-84B0-417D53F1E3B3}"/>
+                <a16:creationId xmlns:a16="http://schemas.microsoft.com/office/drawing/2014/main" id="{51111CD3-4C83-48E1-B63F-B62A6D30ED66}"/>
               </a:ext>
             </a:extLst>
           </p:cNvPr>
@@ -16265,8 +15934,8 @@
         </p:blipFill>
         <p:spPr>
           <a:xfrm>
-            <a:off x="1089212" y="363071"/>
-            <a:ext cx="7100047" cy="5357011"/>
+            <a:off x="3204531" y="4111302"/>
+            <a:ext cx="5029902" cy="1943371"/>
           </a:xfrm>
           <a:prstGeom prst="rect">
             <a:avLst/>
@@ -16276,7 +15945,7 @@
     </p:spTree>
     <p:extLst>
       <p:ext uri="{BB962C8B-B14F-4D97-AF65-F5344CB8AC3E}">
-        <p14:creationId xmlns:p14="http://schemas.microsoft.com/office/powerpoint/2010/main" val="2203491434"/>
+        <p14:creationId xmlns:p14="http://schemas.microsoft.com/office/powerpoint/2010/main" val="2517868250"/>
       </p:ext>
     </p:extLst>
   </p:cSld>
@@ -16286,7 +15955,7 @@
 </p:sld>
 </file>
 
-<file path=ppt/slides/slide23.xml><?xml version="1.0" encoding="utf-8"?>
+<file path=ppt/slides/slide22.xml><?xml version="1.0" encoding="utf-8"?>
 <p:sld xmlns:a="http://schemas.openxmlformats.org/drawingml/2006/main" xmlns:r="http://schemas.openxmlformats.org/officeDocument/2006/relationships" xmlns:p="http://schemas.openxmlformats.org/presentationml/2006/main">
   <p:cSld>
     <p:spTree>
@@ -16441,7 +16110,7 @@
 </p:sld>
 </file>
 
-<file path=ppt/slides/slide24.xml><?xml version="1.0" encoding="utf-8"?>
+<file path=ppt/slides/slide23.xml><?xml version="1.0" encoding="utf-8"?>
 <p:sld xmlns:a="http://schemas.openxmlformats.org/drawingml/2006/main" xmlns:r="http://schemas.openxmlformats.org/officeDocument/2006/relationships" xmlns:p="http://schemas.openxmlformats.org/presentationml/2006/main">
   <p:cSld>
     <p:spTree>
@@ -20049,42 +19718,42 @@
 <file path=ppt/theme/theme1.xml><?xml version="1.0" encoding="utf-8"?>
 <a:theme xmlns:a="http://schemas.openxmlformats.org/drawingml/2006/main" name="Gallery">
   <a:themeElements>
-    <a:clrScheme name="Gallery">
+    <a:clrScheme name="Orange">
       <a:dk1>
-        <a:sysClr val="windowText" lastClr="000000"/>
+        <a:srgbClr val="000000"/>
       </a:dk1>
       <a:lt1>
         <a:sysClr val="window" lastClr="FFFFFF"/>
       </a:lt1>
       <a:dk2>
-        <a:srgbClr val="454545"/>
+        <a:srgbClr val="637052"/>
       </a:dk2>
       <a:lt2>
-        <a:srgbClr val="DFDBD5"/>
+        <a:srgbClr val="CCDDEA"/>
       </a:lt2>
       <a:accent1>
-        <a:srgbClr val="B71E42"/>
+        <a:srgbClr val="E48312"/>
       </a:accent1>
       <a:accent2>
-        <a:srgbClr val="DE478E"/>
+        <a:srgbClr val="BD582C"/>
       </a:accent2>
       <a:accent3>
-        <a:srgbClr val="BC72F0"/>
+        <a:srgbClr val="865640"/>
       </a:accent3>
       <a:accent4>
-        <a:srgbClr val="795FAF"/>
+        <a:srgbClr val="9B8357"/>
       </a:accent4>
       <a:accent5>
-        <a:srgbClr val="586EA6"/>
+        <a:srgbClr val="C2BC80"/>
       </a:accent5>
       <a:accent6>
-        <a:srgbClr val="6892A0"/>
+        <a:srgbClr val="94A088"/>
       </a:accent6>
       <a:hlink>
-        <a:srgbClr val="FA2B5C"/>
+        <a:srgbClr val="2998E3"/>
       </a:hlink>
       <a:folHlink>
-        <a:srgbClr val="BC658E"/>
+        <a:srgbClr val="8C8C8C"/>
       </a:folHlink>
     </a:clrScheme>
     <a:fontScheme name="Gallery">
